--- a/doc/COC Presentation Thur Aug 25.pptx
+++ b/doc/COC Presentation Thur Aug 25.pptx
@@ -117,6 +117,22 @@
       </a:defRPr>
     </a:lvl9pPr>
   </p:defaultTextStyle>
+  <p:extLst>
+    <p:ext uri="{EFAFB233-063F-42B5-8137-9DF3F51BA10A}">
+      <p15:sldGuideLst xmlns:p15="http://schemas.microsoft.com/office/powerpoint/2012/main">
+        <p15:guide id="1" orient="horz" pos="2160">
+          <p15:clr>
+            <a:srgbClr val="A4A3A4"/>
+          </p15:clr>
+        </p15:guide>
+        <p15:guide id="2" pos="2880">
+          <p15:clr>
+            <a:srgbClr val="A4A3A4"/>
+          </p15:clr>
+        </p15:guide>
+      </p15:sldGuideLst>
+    </p:ext>
+  </p:extLst>
 </p:presentation>
 </file>
 
@@ -322,7 +338,7 @@
             <a:fld id="{7D0065BE-0657-4A47-90AD-C21C55E16B19}" type="datetime4">
               <a:rPr lang="en-US" smtClean="0"/>
               <a:pPr/>
-              <a:t>August 24, 2016</a:t>
+              <a:t>August 25, 2016</a:t>
             </a:fld>
             <a:endParaRPr lang="en-US"/>
           </a:p>
@@ -777,7 +793,7 @@
             <a:fld id="{62B1B13E-D5AF-485E-81A1-82A140076526}" type="datetime4">
               <a:rPr lang="en-US" smtClean="0"/>
               <a:pPr/>
-              <a:t>August 24, 2016</a:t>
+              <a:t>August 25, 2016</a:t>
             </a:fld>
             <a:endParaRPr lang="en-US" dirty="0"/>
           </a:p>
@@ -1323,7 +1339,7 @@
             <a:fld id="{1EFB012D-77A1-44B0-BB26-329BA1EE55C9}" type="datetime4">
               <a:rPr lang="en-US" smtClean="0"/>
               <a:pPr/>
-              <a:t>August 24, 2016</a:t>
+              <a:t>August 25, 2016</a:t>
             </a:fld>
             <a:endParaRPr lang="en-US"/>
           </a:p>
@@ -1461,7 +1477,7 @@
             <a:fld id="{94B7499E-3031-413E-B01E-B94970708CAA}" type="datetime4">
               <a:rPr lang="en-US" smtClean="0"/>
               <a:pPr/>
-              <a:t>August 24, 2016</a:t>
+              <a:t>August 25, 2016</a:t>
             </a:fld>
             <a:endParaRPr lang="en-US"/>
           </a:p>
@@ -1801,7 +1817,7 @@
             <a:fld id="{DC7EAB0C-2220-4D0E-A0DD-DB7FA0F742F4}" type="datetime4">
               <a:rPr lang="en-US" smtClean="0"/>
               <a:pPr/>
-              <a:t>August 24, 2016</a:t>
+              <a:t>August 25, 2016</a:t>
             </a:fld>
             <a:endParaRPr lang="en-US"/>
           </a:p>
@@ -2128,7 +2144,7 @@
             <a:fld id="{E3416D63-31BF-4B94-B6C5-E20B2C63F515}" type="datetime4">
               <a:rPr lang="en-US" smtClean="0"/>
               <a:pPr/>
-              <a:t>August 24, 2016</a:t>
+              <a:t>August 25, 2016</a:t>
             </a:fld>
             <a:endParaRPr lang="en-US"/>
           </a:p>
@@ -2428,7 +2444,7 @@
             <a:fld id="{62B1B13E-D5AF-485E-81A1-82A140076526}" type="datetime4">
               <a:rPr lang="en-US" smtClean="0"/>
               <a:pPr/>
-              <a:t>August 24, 2016</a:t>
+              <a:t>August 25, 2016</a:t>
             </a:fld>
             <a:endParaRPr lang="en-US" dirty="0"/>
           </a:p>
@@ -2818,7 +2834,7 @@
             <a:fld id="{62B1B13E-D5AF-485E-81A1-82A140076526}" type="datetime4">
               <a:rPr lang="en-US" smtClean="0"/>
               <a:pPr/>
-              <a:t>August 24, 2016</a:t>
+              <a:t>August 25, 2016</a:t>
             </a:fld>
             <a:endParaRPr lang="en-US" dirty="0"/>
           </a:p>
@@ -3241,7 +3257,7 @@
             <a:fld id="{62B1B13E-D5AF-485E-81A1-82A140076526}" type="datetime4">
               <a:rPr lang="en-US" smtClean="0"/>
               <a:pPr/>
-              <a:t>August 24, 2016</a:t>
+              <a:t>August 25, 2016</a:t>
             </a:fld>
             <a:endParaRPr lang="en-US" dirty="0"/>
           </a:p>
@@ -3792,7 +3808,7 @@
             <a:fld id="{62B1B13E-D5AF-485E-81A1-82A140076526}" type="datetime4">
               <a:rPr lang="en-US" smtClean="0"/>
               <a:pPr/>
-              <a:t>August 24, 2016</a:t>
+              <a:t>August 25, 2016</a:t>
             </a:fld>
             <a:endParaRPr lang="en-US" dirty="0"/>
           </a:p>
@@ -4153,7 +4169,7 @@
             <a:fld id="{A16C3AA4-67BE-44F7-809A-3582401494AF}" type="datetime4">
               <a:rPr lang="en-US" smtClean="0"/>
               <a:pPr/>
-              <a:t>August 24, 2016</a:t>
+              <a:t>August 25, 2016</a:t>
             </a:fld>
             <a:endParaRPr lang="en-US"/>
           </a:p>
@@ -4370,7 +4386,7 @@
             <a:fld id="{D47BB8AF-C16A-4836-A92D-61834B5F0BA5}" type="datetime4">
               <a:rPr lang="en-US" smtClean="0"/>
               <a:pPr/>
-              <a:t>August 24, 2016</a:t>
+              <a:t>August 25, 2016</a:t>
             </a:fld>
             <a:endParaRPr lang="en-US"/>
           </a:p>
@@ -4679,7 +4695,7 @@
             <a:fld id="{25172EEB-1769-4776-AD69-E7C1260563EB}" type="datetime4">
               <a:rPr lang="en-US" smtClean="0"/>
               <a:pPr/>
-              <a:t>August 24, 2016</a:t>
+              <a:t>August 25, 2016</a:t>
             </a:fld>
             <a:endParaRPr lang="en-US"/>
           </a:p>
@@ -4937,7 +4953,7 @@
             <a:fld id="{62B1B13E-D5AF-485E-81A1-82A140076526}" type="datetime4">
               <a:rPr lang="en-US" smtClean="0"/>
               <a:pPr/>
-              <a:t>August 24, 2016</a:t>
+              <a:t>August 25, 2016</a:t>
             </a:fld>
             <a:endParaRPr lang="en-US" dirty="0"/>
           </a:p>
@@ -5329,7 +5345,7 @@
             <a:fld id="{62B1B13E-D5AF-485E-81A1-82A140076526}" type="datetime4">
               <a:rPr lang="en-US" smtClean="0"/>
               <a:pPr/>
-              <a:t>August 24, 2016</a:t>
+              <a:t>August 25, 2016</a:t>
             </a:fld>
             <a:endParaRPr lang="en-US" dirty="0"/>
           </a:p>
@@ -5920,7 +5936,7 @@
             <a:fld id="{647D2193-4505-4A75-99BB-880C6989A757}" type="datetime4">
               <a:rPr lang="en-US" smtClean="0"/>
               <a:pPr/>
-              <a:t>August 24, 2016</a:t>
+              <a:t>August 25, 2016</a:t>
             </a:fld>
             <a:endParaRPr lang="en-US"/>
           </a:p>
@@ -6437,7 +6453,7 @@
             <a:fld id="{113A18F4-33C3-445B-924C-31108C51719C}" type="datetime4">
               <a:rPr lang="en-US" smtClean="0"/>
               <a:pPr/>
-              <a:t>August 24, 2016</a:t>
+              <a:t>August 25, 2016</a:t>
             </a:fld>
             <a:endParaRPr lang="en-US"/>
           </a:p>
@@ -6812,7 +6828,7 @@
             <a:fld id="{3AF7543A-E259-478F-9E0D-57BA40E442B7}" type="datetime4">
               <a:rPr lang="en-US" smtClean="0"/>
               <a:pPr/>
-              <a:t>August 24, 2016</a:t>
+              <a:t>August 25, 2016</a:t>
             </a:fld>
             <a:endParaRPr lang="en-US"/>
           </a:p>
@@ -7213,7 +7229,7 @@
             <a:fld id="{62B1B13E-D5AF-485E-81A1-82A140076526}" type="datetime4">
               <a:rPr lang="en-US" smtClean="0"/>
               <a:pPr/>
-              <a:t>August 24, 2016</a:t>
+              <a:t>August 25, 2016</a:t>
             </a:fld>
             <a:endParaRPr lang="en-US" dirty="0"/>
           </a:p>
@@ -7636,7 +7652,7 @@
             <a:fld id="{62B1B13E-D5AF-485E-81A1-82A140076526}" type="datetime4">
               <a:rPr lang="en-US" smtClean="0"/>
               <a:pPr/>
-              <a:t>August 24, 2016</a:t>
+              <a:t>August 25, 2016</a:t>
             </a:fld>
             <a:endParaRPr lang="en-US" dirty="0"/>
           </a:p>
@@ -8022,7 +8038,7 @@
             <a:fld id="{62B1B13E-D5AF-485E-81A1-82A140076526}" type="datetime4">
               <a:rPr lang="en-US" smtClean="0"/>
               <a:pPr/>
-              <a:t>August 24, 2016</a:t>
+              <a:t>August 25, 2016</a:t>
             </a:fld>
             <a:endParaRPr lang="en-US" dirty="0"/>
           </a:p>
@@ -8496,11 +8512,7 @@
           <a:p>
             <a:r>
               <a:rPr lang="en-US" dirty="0" smtClean="0"/>
-              <a:t>CSS Floats, Clears, and </a:t>
-            </a:r>
-            <a:r>
-              <a:rPr lang="en-US" dirty="0" smtClean="0"/>
-              <a:t>Overflow</a:t>
+              <a:t>CSS Floats, Clears, and Overflow</a:t>
             </a:r>
             <a:endParaRPr lang="en-US" dirty="0"/>
           </a:p>
@@ -8806,11 +8818,7 @@
           <a:p>
             <a:r>
               <a:rPr lang="en-US" dirty="0" smtClean="0"/>
-              <a:t>Clearing </a:t>
-            </a:r>
-            <a:r>
-              <a:rPr lang="en-US" dirty="0" smtClean="0"/>
-              <a:t>Floats with </a:t>
+              <a:t>Clearing Floats with </a:t>
             </a:r>
             <a:r>
               <a:rPr lang="en-US" dirty="0" err="1" smtClean="0"/>
@@ -9113,11 +9121,7 @@
           <a:p>
             <a:r>
               <a:rPr lang="en-US" dirty="0" smtClean="0"/>
-              <a:t>Developed by the web </a:t>
-            </a:r>
-            <a:r>
-              <a:rPr lang="en-US" dirty="0" smtClean="0"/>
-              <a:t>community</a:t>
+              <a:t>Developed by the web community</a:t>
             </a:r>
           </a:p>
           <a:p>
@@ -9562,11 +9566,7 @@
           <a:p>
             <a:r>
               <a:rPr lang="en-US" dirty="0" smtClean="0"/>
-              <a:t>Reference </a:t>
-            </a:r>
-            <a:r>
-              <a:rPr lang="en-US" dirty="0" smtClean="0"/>
-              <a:t>&amp; Training</a:t>
+              <a:t>Reference &amp; Training</a:t>
             </a:r>
             <a:endParaRPr lang="en-US" dirty="0"/>
           </a:p>
@@ -9632,7 +9632,6 @@
               <a:rPr lang="en-US" dirty="0" smtClean="0"/>
               <a:t> </a:t>
             </a:r>
-            <a:endParaRPr lang="en-US" dirty="0" smtClean="0"/>
           </a:p>
           <a:p>
             <a:r>
@@ -9659,24 +9658,11 @@
               <a:rPr lang="en-US" dirty="0" smtClean="0"/>
               <a:t> </a:t>
             </a:r>
-            <a:endParaRPr lang="en-US" dirty="0" smtClean="0"/>
           </a:p>
           <a:p>
             <a:r>
               <a:rPr lang="en-US" dirty="0" smtClean="0"/>
-              <a:t>Join </a:t>
-            </a:r>
-            <a:r>
-              <a:rPr lang="en-US" dirty="0" smtClean="0"/>
-              <a:t>the </a:t>
-            </a:r>
-            <a:r>
-              <a:rPr lang="en-US" dirty="0" smtClean="0"/>
-              <a:t>discussion group</a:t>
-            </a:r>
-            <a:r>
-              <a:rPr lang="en-US" dirty="0" smtClean="0"/>
-              <a:t>, and learn together!</a:t>
+              <a:t>Join the discussion group, and learn together!</a:t>
             </a:r>
           </a:p>
           <a:p>
@@ -9808,11 +9794,7 @@
             <a:pPr lvl="1"/>
             <a:r>
               <a:rPr lang="en-US" dirty="0" smtClean="0"/>
-              <a:t>Why do we use CSS? (control</a:t>
-            </a:r>
-            <a:r>
-              <a:rPr lang="en-US" dirty="0" smtClean="0"/>
-              <a:t>!)</a:t>
+              <a:t>Why do we use CSS? (control!)</a:t>
             </a:r>
           </a:p>
           <a:p>
@@ -9874,11 +9856,7 @@
           <a:p>
             <a:r>
               <a:rPr lang="en-US" dirty="0" smtClean="0"/>
-              <a:t>References </a:t>
-            </a:r>
-            <a:r>
-              <a:rPr lang="en-US" dirty="0" smtClean="0"/>
-              <a:t>&amp; Training</a:t>
+              <a:t>References &amp; Training</a:t>
             </a:r>
             <a:endParaRPr lang="en-US" dirty="0"/>
           </a:p>
@@ -9954,22 +9932,13 @@
           <a:p>
             <a:r>
               <a:rPr lang="en-US" dirty="0" smtClean="0"/>
-              <a:t>Traditional visual design = absolute positioning relative to </a:t>
-            </a:r>
+              <a:t>Traditional visual design = absolute positioning relative to absolutely defined width and height of printed page.</a:t>
+            </a:r>
+          </a:p>
+          <a:p>
             <a:r>
               <a:rPr lang="en-US" dirty="0" smtClean="0"/>
-              <a:t>absolutely defined width and height of printed page.</a:t>
-            </a:r>
-            <a:endParaRPr lang="en-US" dirty="0" smtClean="0"/>
-          </a:p>
-          <a:p>
-            <a:r>
-              <a:rPr lang="en-US" dirty="0" smtClean="0"/>
-              <a:t>Web design = relative position depending on browser window size, desktop vs. mobile, screen </a:t>
-            </a:r>
-            <a:r>
-              <a:rPr lang="en-US" dirty="0" smtClean="0"/>
-              <a:t>features.</a:t>
+              <a:t>Web design = relative position depending on browser window size, desktop vs. mobile, screen features.</a:t>
             </a:r>
           </a:p>
           <a:p>
@@ -9998,9 +9967,50 @@
               <a:rPr lang="en-US" dirty="0" smtClean="0"/>
               <a:t>The “browser challenged” (old/obsolete browsers)</a:t>
             </a:r>
-            <a:endParaRPr lang="en-US" dirty="0" smtClean="0"/>
-          </a:p>
-          <a:p>
+          </a:p>
+          <a:p>
+            <a:endParaRPr lang="en-US" dirty="0"/>
+          </a:p>
+        </p:txBody>
+      </p:sp>
+      <p:sp>
+        <p:nvSpPr>
+          <p:cNvPr id="4" name="Rectangle 3"/>
+          <p:cNvSpPr/>
+          <p:nvPr/>
+        </p:nvSpPr>
+        <p:spPr>
+          <a:xfrm>
+            <a:off x="2698044" y="6322497"/>
+            <a:ext cx="6112934" cy="369332"/>
+          </a:xfrm>
+          <a:prstGeom prst="rect">
+            <a:avLst/>
+          </a:prstGeom>
+        </p:spPr>
+        <p:txBody>
+          <a:bodyPr wrap="square">
+            <a:spAutoFit/>
+          </a:bodyPr>
+          <a:lstStyle/>
+          <a:p>
+            <a:pPr algn="r"/>
+            <a:r>
+              <a:rPr lang="en-US" dirty="0">
+                <a:hlinkClick r:id="rId2"/>
+              </a:rPr>
+              <a:t>http://</a:t>
+            </a:r>
+            <a:r>
+              <a:rPr lang="en-US" dirty="0" smtClean="0">
+                <a:hlinkClick r:id="rId2"/>
+              </a:rPr>
+              <a:t>www.slideshare.net/khoiv/control-annotated</a:t>
+            </a:r>
+            <a:r>
+              <a:rPr lang="en-US" dirty="0" smtClean="0"/>
+              <a:t> </a:t>
+            </a:r>
             <a:endParaRPr lang="en-US" dirty="0"/>
           </a:p>
         </p:txBody>
@@ -10161,7 +10171,7 @@
         <p:spPr/>
         <p:txBody>
           <a:bodyPr>
-            <a:normAutofit fontScale="92500" lnSpcReduction="10000"/>
+            <a:normAutofit fontScale="77500" lnSpcReduction="20000"/>
           </a:bodyPr>
           <a:lstStyle/>
           <a:p>
@@ -10182,7 +10192,6 @@
               <a:rPr lang="en-US" dirty="0" smtClean="0"/>
               <a:t> </a:t>
             </a:r>
-            <a:endParaRPr lang="en-US" dirty="0" smtClean="0"/>
           </a:p>
           <a:p>
             <a:r>
@@ -10191,32 +10200,37 @@
             </a:r>
             <a:r>
               <a:rPr lang="en-US" dirty="0" smtClean="0"/>
-              <a:t>Text</a:t>
-            </a:r>
+              <a:t>Text, </a:t>
+            </a:r>
+            <a:r>
+              <a:rPr lang="en-US" dirty="0" err="1" smtClean="0"/>
+              <a:t>NotePad</a:t>
+            </a:r>
+            <a:r>
+              <a:rPr lang="en-US" dirty="0" smtClean="0"/>
+              <a:t>++, Atom, or Brackets</a:t>
+            </a:r>
+            <a:endParaRPr lang="en-US" dirty="0" smtClean="0"/>
           </a:p>
           <a:p>
             <a:pPr lvl="1"/>
             <a:r>
               <a:rPr lang="en-US" dirty="0" smtClean="0"/>
-              <a:t>Authoring</a:t>
-            </a:r>
+              <a:t>Editor</a:t>
+            </a:r>
+            <a:endParaRPr lang="en-US" dirty="0" smtClean="0"/>
           </a:p>
           <a:p>
             <a:r>
               <a:rPr lang="en-US" dirty="0" smtClean="0"/>
               <a:t>Load a Web browser (instructor determines, NOT Safari)</a:t>
             </a:r>
-            <a:endParaRPr lang="en-US" dirty="0" smtClean="0"/>
           </a:p>
           <a:p>
             <a:pPr lvl="1"/>
             <a:r>
               <a:rPr lang="en-US" dirty="0" smtClean="0"/>
-              <a:t>Test our </a:t>
-            </a:r>
-            <a:r>
-              <a:rPr lang="en-US" dirty="0" smtClean="0"/>
-              <a:t>work</a:t>
+              <a:t>Test our work</a:t>
             </a:r>
           </a:p>
           <a:p>
@@ -10231,14 +10245,36 @@
               <a:rPr lang="en-US" dirty="0" smtClean="0"/>
               <a:t>Follow the Instructor’s guidelines</a:t>
             </a:r>
+          </a:p>
+          <a:p>
+            <a:r>
+              <a:rPr lang="en-US" dirty="0" smtClean="0"/>
+              <a:t>Validation</a:t>
+            </a:r>
+          </a:p>
+          <a:p>
+            <a:pPr lvl="1"/>
+            <a:r>
+              <a:rPr lang="en-US" dirty="0" smtClean="0">
+                <a:hlinkClick r:id="rId3"/>
+              </a:rPr>
+              <a:t>http://validator.w3.org</a:t>
+            </a:r>
+            <a:r>
+              <a:rPr lang="en-US" dirty="0" smtClean="0"/>
+              <a:t> </a:t>
+            </a:r>
             <a:endParaRPr lang="en-US" dirty="0" smtClean="0"/>
           </a:p>
           <a:p>
             <a:r>
               <a:rPr lang="en-US" dirty="0" smtClean="0"/>
-              <a:t>Open the Web Console</a:t>
-            </a:r>
-            <a:endParaRPr lang="en-US" dirty="0" smtClean="0"/>
+              <a:t>Open </a:t>
+            </a:r>
+            <a:r>
+              <a:rPr lang="en-US" dirty="0" smtClean="0"/>
+              <a:t>the Web Console</a:t>
+            </a:r>
           </a:p>
           <a:p>
             <a:pPr lvl="1"/>
@@ -10246,7 +10282,6 @@
               <a:rPr lang="en-US" dirty="0" smtClean="0"/>
               <a:t>Right-click and “inspect” or “inspect element”</a:t>
             </a:r>
-            <a:endParaRPr lang="en-US" dirty="0" smtClean="0"/>
           </a:p>
           <a:p>
             <a:endParaRPr lang="en-US" dirty="0"/>
@@ -10323,11 +10358,7 @@
           <a:p>
             <a:r>
               <a:rPr lang="en-US" dirty="0" smtClean="0"/>
-              <a:t>CSS </a:t>
-            </a:r>
-            <a:r>
-              <a:rPr lang="en-US" dirty="0" smtClean="0"/>
-              <a:t>included by one of several methods</a:t>
+              <a:t>CSS included by one of several methods</a:t>
             </a:r>
           </a:p>
           <a:p>
@@ -10759,8 +10790,8 @@
         </p:nvSpPr>
         <p:spPr>
           <a:xfrm>
-            <a:off x="3920067" y="2116667"/>
-            <a:ext cx="3826933" cy="863600"/>
+            <a:off x="4100689" y="2568222"/>
+            <a:ext cx="4602402" cy="999067"/>
           </a:xfrm>
           <a:prstGeom prst="rect">
             <a:avLst/>
@@ -10803,8 +10834,8 @@
         </p:nvSpPr>
         <p:spPr>
           <a:xfrm>
-            <a:off x="3920066" y="3132667"/>
-            <a:ext cx="3826933" cy="2133600"/>
+            <a:off x="4100688" y="3719689"/>
+            <a:ext cx="4602403" cy="1529644"/>
           </a:xfrm>
           <a:prstGeom prst="rect">
             <a:avLst/>
@@ -10836,6 +10867,295 @@
           <a:p>
             <a:pPr algn="ctr"/>
             <a:endParaRPr lang="en-US"/>
+          </a:p>
+        </p:txBody>
+      </p:sp>
+      <p:sp>
+        <p:nvSpPr>
+          <p:cNvPr id="6" name="Rectangle 5"/>
+          <p:cNvSpPr/>
+          <p:nvPr/>
+        </p:nvSpPr>
+        <p:spPr>
+          <a:xfrm>
+            <a:off x="4199467" y="4010380"/>
+            <a:ext cx="1049866" cy="666044"/>
+          </a:xfrm>
+          <a:prstGeom prst="rect">
+            <a:avLst/>
+          </a:prstGeom>
+          <a:noFill/>
+          <a:ln>
+            <a:solidFill>
+              <a:schemeClr val="tx1"/>
+            </a:solidFill>
+          </a:ln>
+        </p:spPr>
+        <p:style>
+          <a:lnRef idx="1">
+            <a:schemeClr val="accent1"/>
+          </a:lnRef>
+          <a:fillRef idx="3">
+            <a:schemeClr val="accent1"/>
+          </a:fillRef>
+          <a:effectRef idx="2">
+            <a:schemeClr val="accent1"/>
+          </a:effectRef>
+          <a:fontRef idx="minor">
+            <a:schemeClr val="lt1"/>
+          </a:fontRef>
+        </p:style>
+        <p:txBody>
+          <a:bodyPr rtlCol="0" anchor="ctr"/>
+          <a:lstStyle/>
+          <a:p>
+            <a:pPr algn="ctr"/>
+            <a:endParaRPr lang="en-US"/>
+          </a:p>
+        </p:txBody>
+      </p:sp>
+      <p:sp>
+        <p:nvSpPr>
+          <p:cNvPr id="7" name="Rectangle 6"/>
+          <p:cNvSpPr/>
+          <p:nvPr/>
+        </p:nvSpPr>
+        <p:spPr>
+          <a:xfrm>
+            <a:off x="5353757" y="3999091"/>
+            <a:ext cx="1049866" cy="666044"/>
+          </a:xfrm>
+          <a:prstGeom prst="rect">
+            <a:avLst/>
+          </a:prstGeom>
+          <a:noFill/>
+          <a:ln>
+            <a:solidFill>
+              <a:schemeClr val="tx1"/>
+            </a:solidFill>
+          </a:ln>
+        </p:spPr>
+        <p:style>
+          <a:lnRef idx="1">
+            <a:schemeClr val="accent1"/>
+          </a:lnRef>
+          <a:fillRef idx="3">
+            <a:schemeClr val="accent1"/>
+          </a:fillRef>
+          <a:effectRef idx="2">
+            <a:schemeClr val="accent1"/>
+          </a:effectRef>
+          <a:fontRef idx="minor">
+            <a:schemeClr val="lt1"/>
+          </a:fontRef>
+        </p:style>
+        <p:txBody>
+          <a:bodyPr rtlCol="0" anchor="ctr"/>
+          <a:lstStyle/>
+          <a:p>
+            <a:pPr algn="ctr"/>
+            <a:endParaRPr lang="en-US"/>
+          </a:p>
+        </p:txBody>
+      </p:sp>
+      <p:sp>
+        <p:nvSpPr>
+          <p:cNvPr id="8" name="Rectangle 7"/>
+          <p:cNvSpPr/>
+          <p:nvPr/>
+        </p:nvSpPr>
+        <p:spPr>
+          <a:xfrm>
+            <a:off x="6532037" y="3999091"/>
+            <a:ext cx="1049866" cy="666044"/>
+          </a:xfrm>
+          <a:prstGeom prst="rect">
+            <a:avLst/>
+          </a:prstGeom>
+          <a:noFill/>
+          <a:ln>
+            <a:solidFill>
+              <a:schemeClr val="tx1"/>
+            </a:solidFill>
+          </a:ln>
+        </p:spPr>
+        <p:style>
+          <a:lnRef idx="1">
+            <a:schemeClr val="accent1"/>
+          </a:lnRef>
+          <a:fillRef idx="3">
+            <a:schemeClr val="accent1"/>
+          </a:fillRef>
+          <a:effectRef idx="2">
+            <a:schemeClr val="accent1"/>
+          </a:effectRef>
+          <a:fontRef idx="minor">
+            <a:schemeClr val="lt1"/>
+          </a:fontRef>
+        </p:style>
+        <p:txBody>
+          <a:bodyPr rtlCol="0" anchor="ctr"/>
+          <a:lstStyle/>
+          <a:p>
+            <a:pPr algn="ctr"/>
+            <a:endParaRPr lang="en-US"/>
+          </a:p>
+        </p:txBody>
+      </p:sp>
+      <p:sp>
+        <p:nvSpPr>
+          <p:cNvPr id="9" name="TextBox 8"/>
+          <p:cNvSpPr txBox="1"/>
+          <p:nvPr/>
+        </p:nvSpPr>
+        <p:spPr>
+          <a:xfrm>
+            <a:off x="4152590" y="2679488"/>
+            <a:ext cx="2193486" cy="276999"/>
+          </a:xfrm>
+          <a:prstGeom prst="rect">
+            <a:avLst/>
+          </a:prstGeom>
+          <a:noFill/>
+        </p:spPr>
+        <p:txBody>
+          <a:bodyPr wrap="none" rtlCol="0">
+            <a:spAutoFit/>
+          </a:bodyPr>
+          <a:lstStyle/>
+          <a:p>
+            <a:r>
+              <a:rPr lang="en-US" sz="1200" b="1"/>
+              <a:t>A Day in the Life of </a:t>
+            </a:r>
+            <a:r>
+              <a:rPr lang="en-US" sz="1200" b="1"/>
+              <a:t>a </a:t>
+            </a:r>
+            <a:r>
+              <a:rPr lang="en-US" sz="1200" b="1" smtClean="0"/>
+              <a:t>Beast</a:t>
+            </a:r>
+            <a:endParaRPr lang="en-US" sz="1200" b="1"/>
+          </a:p>
+        </p:txBody>
+      </p:sp>
+      <p:sp>
+        <p:nvSpPr>
+          <p:cNvPr id="10" name="TextBox 9"/>
+          <p:cNvSpPr txBox="1"/>
+          <p:nvPr/>
+        </p:nvSpPr>
+        <p:spPr>
+          <a:xfrm>
+            <a:off x="4100688" y="2958890"/>
+            <a:ext cx="930063" cy="553998"/>
+          </a:xfrm>
+          <a:prstGeom prst="rect">
+            <a:avLst/>
+          </a:prstGeom>
+          <a:noFill/>
+        </p:spPr>
+        <p:txBody>
+          <a:bodyPr wrap="none" rtlCol="0">
+            <a:spAutoFit/>
+          </a:bodyPr>
+          <a:lstStyle/>
+          <a:p>
+            <a:pPr marL="285750" indent="-285750">
+              <a:buFont typeface="Arial" charset="0"/>
+              <a:buChar char="•"/>
+            </a:pPr>
+            <a:r>
+              <a:rPr lang="en-US" sz="1000" dirty="0" smtClean="0"/>
+              <a:t>Home</a:t>
+            </a:r>
+          </a:p>
+          <a:p>
+            <a:pPr marL="285750" indent="-285750">
+              <a:buFont typeface="Arial" charset="0"/>
+              <a:buChar char="•"/>
+            </a:pPr>
+            <a:r>
+              <a:rPr lang="en-US" sz="1000" dirty="0" smtClean="0"/>
+              <a:t>About</a:t>
+            </a:r>
+          </a:p>
+          <a:p>
+            <a:pPr marL="285750" indent="-285750">
+              <a:buFont typeface="Arial" charset="0"/>
+              <a:buChar char="•"/>
+            </a:pPr>
+            <a:r>
+              <a:rPr lang="en-US" sz="1000" dirty="0" smtClean="0"/>
+              <a:t>Contact</a:t>
+            </a:r>
+            <a:endParaRPr lang="en-US" sz="1000" dirty="0"/>
+          </a:p>
+        </p:txBody>
+      </p:sp>
+      <p:sp>
+        <p:nvSpPr>
+          <p:cNvPr id="11" name="TextBox 10"/>
+          <p:cNvSpPr txBox="1"/>
+          <p:nvPr/>
+        </p:nvSpPr>
+        <p:spPr>
+          <a:xfrm>
+            <a:off x="4131091" y="3736280"/>
+            <a:ext cx="2106667" cy="246221"/>
+          </a:xfrm>
+          <a:prstGeom prst="rect">
+            <a:avLst/>
+          </a:prstGeom>
+          <a:noFill/>
+        </p:spPr>
+        <p:txBody>
+          <a:bodyPr wrap="none" rtlCol="0">
+            <a:spAutoFit/>
+          </a:bodyPr>
+          <a:lstStyle/>
+          <a:p>
+            <a:r>
+              <a:rPr lang="en-US" sz="1000" dirty="0"/>
+              <a:t>This is a small cat called </a:t>
+            </a:r>
+            <a:r>
+              <a:rPr lang="en-US" sz="1000" dirty="0" err="1"/>
+              <a:t>Squeek</a:t>
+            </a:r>
+            <a:r>
+              <a:rPr lang="en-US" sz="1000" dirty="0"/>
+              <a:t>.</a:t>
+            </a:r>
+          </a:p>
+        </p:txBody>
+      </p:sp>
+      <p:sp>
+        <p:nvSpPr>
+          <p:cNvPr id="12" name="Rectangle 11"/>
+          <p:cNvSpPr/>
+          <p:nvPr/>
+        </p:nvSpPr>
+        <p:spPr>
+          <a:xfrm>
+            <a:off x="4131091" y="4683170"/>
+            <a:ext cx="4572000" cy="400110"/>
+          </a:xfrm>
+          <a:prstGeom prst="rect">
+            <a:avLst/>
+          </a:prstGeom>
+        </p:spPr>
+        <p:txBody>
+          <a:bodyPr>
+            <a:spAutoFit/>
+          </a:bodyPr>
+          <a:lstStyle/>
+          <a:p>
+            <a:r>
+              <a:rPr lang="en-US" sz="1000"/>
+              <a:t>Description: This scenes from the entertaining day experienced by this small beast.</a:t>
+            </a:r>
           </a:p>
         </p:txBody>
       </p:sp>
@@ -10886,11 +11206,7 @@
           <a:p>
             <a:r>
               <a:rPr lang="en-US" dirty="0" smtClean="0"/>
-              <a:t>CSS float </a:t>
-            </a:r>
-            <a:r>
-              <a:rPr lang="en-US" dirty="0" smtClean="0"/>
-              <a:t>features (from MDN)</a:t>
+              <a:t>CSS float features (from MDN)</a:t>
             </a:r>
             <a:endParaRPr lang="en-US" dirty="0"/>
           </a:p>
@@ -10918,19 +11234,7 @@
           <a:p>
             <a:r>
               <a:rPr lang="en-US" dirty="0"/>
-              <a:t>float:</a:t>
-            </a:r>
-            <a:r>
-              <a:rPr lang="en-US" dirty="0"/>
-              <a:t> left</a:t>
-            </a:r>
-            <a:r>
-              <a:rPr lang="en-US" dirty="0"/>
-              <a:t>;</a:t>
-            </a:r>
-            <a:r>
-              <a:rPr lang="en-US" dirty="0"/>
-              <a:t> </a:t>
+              <a:t>float: left; </a:t>
             </a:r>
             <a:endParaRPr lang="en-US" dirty="0" smtClean="0"/>
           </a:p>
@@ -10941,19 +11245,7 @@
             </a:r>
             <a:r>
               <a:rPr lang="en-US" dirty="0"/>
-              <a:t>:</a:t>
-            </a:r>
-            <a:r>
-              <a:rPr lang="en-US" dirty="0"/>
-              <a:t> right</a:t>
-            </a:r>
-            <a:r>
-              <a:rPr lang="en-US" dirty="0"/>
-              <a:t>;</a:t>
-            </a:r>
-            <a:r>
-              <a:rPr lang="en-US" dirty="0"/>
-              <a:t> </a:t>
+              <a:t>: right; </a:t>
             </a:r>
           </a:p>
           <a:p>
@@ -10963,19 +11255,7 @@
             </a:r>
             <a:r>
               <a:rPr lang="en-US" dirty="0"/>
-              <a:t>:</a:t>
-            </a:r>
-            <a:r>
-              <a:rPr lang="en-US" dirty="0"/>
-              <a:t> none</a:t>
-            </a:r>
-            <a:r>
-              <a:rPr lang="en-US" dirty="0"/>
-              <a:t>;</a:t>
-            </a:r>
-            <a:r>
-              <a:rPr lang="en-US" dirty="0"/>
-              <a:t> </a:t>
+              <a:t>: none; </a:t>
             </a:r>
             <a:endParaRPr lang="en-US" dirty="0" smtClean="0"/>
           </a:p>
@@ -10986,19 +11266,7 @@
             </a:r>
             <a:r>
               <a:rPr lang="en-US" dirty="0"/>
-              <a:t>:</a:t>
-            </a:r>
-            <a:r>
-              <a:rPr lang="en-US" dirty="0"/>
-              <a:t> inline-start</a:t>
-            </a:r>
-            <a:r>
-              <a:rPr lang="en-US" dirty="0"/>
-              <a:t>;</a:t>
-            </a:r>
-            <a:r>
-              <a:rPr lang="en-US" dirty="0"/>
-              <a:t> </a:t>
+              <a:t>: inline-start; </a:t>
             </a:r>
             <a:endParaRPr lang="en-US" dirty="0" smtClean="0"/>
           </a:p>
@@ -11009,11 +11277,7 @@
             </a:r>
             <a:r>
               <a:rPr lang="en-US" dirty="0"/>
-              <a:t>:</a:t>
-            </a:r>
-            <a:r>
-              <a:rPr lang="en-US" dirty="0"/>
-              <a:t> inline-end</a:t>
+              <a:t>: inline-end</a:t>
             </a:r>
             <a:r>
               <a:rPr lang="en-US" dirty="0" smtClean="0"/>
@@ -11027,27 +11291,7 @@
             </a:r>
             <a:r>
               <a:rPr lang="en-US" dirty="0"/>
-              <a:t>/* Global values */</a:t>
-            </a:r>
-            <a:r>
-              <a:rPr lang="en-US" dirty="0"/>
-              <a:t> </a:t>
-            </a:r>
-            <a:r>
-              <a:rPr lang="en-US" dirty="0"/>
-              <a:t>float:</a:t>
-            </a:r>
-            <a:r>
-              <a:rPr lang="en-US" dirty="0"/>
-              <a:t> inherit</a:t>
-            </a:r>
-            <a:r>
-              <a:rPr lang="en-US" dirty="0"/>
-              <a:t>;</a:t>
-            </a:r>
-            <a:r>
-              <a:rPr lang="en-US" dirty="0"/>
-              <a:t> </a:t>
+              <a:t>/* Global values */ float: inherit; </a:t>
             </a:r>
             <a:endParaRPr lang="en-US" dirty="0" smtClean="0"/>
           </a:p>
@@ -11058,33 +11302,8 @@
             </a:r>
             <a:r>
               <a:rPr lang="en-US" dirty="0"/>
-              <a:t>:</a:t>
-            </a:r>
-            <a:r>
-              <a:rPr lang="en-US" dirty="0"/>
-              <a:t> initial</a:t>
-            </a:r>
-            <a:r>
-              <a:rPr lang="en-US" dirty="0"/>
-              <a:t>;</a:t>
-            </a:r>
-            <a:r>
-              <a:rPr lang="en-US" dirty="0"/>
-              <a:t> </a:t>
-            </a:r>
-            <a:r>
-              <a:rPr lang="en-US" dirty="0"/>
-              <a:t>float:</a:t>
-            </a:r>
-            <a:r>
-              <a:rPr lang="en-US" dirty="0"/>
-              <a:t> unset</a:t>
-            </a:r>
-            <a:r>
-              <a:rPr lang="en-US" dirty="0"/>
-              <a:t>;</a:t>
-            </a:r>
-            <a:endParaRPr lang="en-US" dirty="0"/>
+              <a:t>: initial; float: unset;</a:t>
+            </a:r>
           </a:p>
         </p:txBody>
       </p:sp>
@@ -11202,11 +11421,7 @@
           <a:p>
             <a:r>
               <a:rPr lang="en-US" dirty="0" smtClean="0"/>
-              <a:t>We want them all on the same </a:t>
-            </a:r>
-            <a:r>
-              <a:rPr lang="en-US" dirty="0" smtClean="0"/>
-              <a:t>line</a:t>
+              <a:t>We want them all on the same line</a:t>
             </a:r>
           </a:p>
           <a:p>
